--- a/Presentation/SpottedPresentation.pptx
+++ b/Presentation/SpottedPresentation.pptx
@@ -4318,7 +4318,7 @@
         <p:spPr>
           <a:xfrm>
             <a:off x="3600898" y="1964026"/>
-            <a:ext cx="5019516" cy="584775"/>
+            <a:ext cx="5195653" cy="584775"/>
           </a:xfrm>
           <a:prstGeom prst="rect">
             <a:avLst/>
@@ -4332,7 +4332,9 @@
           <a:lstStyle/>
           <a:p>
             <a:r>
-              <a:rPr lang="en-US" sz="3200" dirty="0"/>
+              <a:rPr lang="en-US" sz="3200" dirty="0">
+                <a:latin typeface="Franklin Gothic Heavy" panose="020B0903020102020204" pitchFamily="34" charset="0"/>
+              </a:rPr>
               <a:t>Innovating with open data</a:t>
             </a:r>
           </a:p>

--- a/Presentation/SpottedPresentation.pptx
+++ b/Presentation/SpottedPresentation.pptx
@@ -4459,20 +4459,29 @@
             <p:ph idx="1"/>
           </p:nvPr>
         </p:nvSpPr>
-        <p:spPr/>
+        <p:spPr>
+          <a:xfrm>
+            <a:off x="609600" y="1590870"/>
+            <a:ext cx="10972800" cy="4959220"/>
+          </a:xfrm>
+        </p:spPr>
         <p:txBody>
           <a:bodyPr/>
           <a:lstStyle/>
           <a:p>
             <a:r>
               <a:rPr lang="en-US" dirty="0"/>
-              <a:t>Android App/Web service</a:t>
-            </a:r>
-          </a:p>
-          <a:p>
-            <a:r>
+              <a:t>Android App / Web service</a:t>
+            </a:r>
+            <a:br>
               <a:rPr lang="en-US" dirty="0"/>
-              <a:t>4 categories (open data from http://www.police.gov.cy/)</a:t>
+            </a:br>
+            <a:endParaRPr lang="en-US" dirty="0"/>
+          </a:p>
+          <a:p>
+            <a:r>
+              <a:rPr lang="en-US" dirty="0"/>
+              <a:t>Four categories</a:t>
             </a:r>
           </a:p>
           <a:p>
@@ -4502,17 +4511,33 @@
               <a:rPr lang="en-US" dirty="0"/>
               <a:t>Stolen License Plates</a:t>
             </a:r>
-          </a:p>
-          <a:p>
-            <a:r>
+            <a:br>
               <a:rPr lang="en-US" dirty="0"/>
-              <a:t>Reporting System (through mobile app)</a:t>
-            </a:r>
+            </a:br>
+            <a:endParaRPr lang="en-US" dirty="0"/>
           </a:p>
           <a:p>
             <a:r>
               <a:rPr lang="en-US" dirty="0"/>
-              <a:t>Search/Find</a:t>
+              <a:t>View / Report / Search</a:t>
+            </a:r>
+          </a:p>
+          <a:p>
+            <a:endParaRPr lang="en-US" dirty="0"/>
+          </a:p>
+          <a:p>
+            <a:r>
+              <a:rPr lang="en-US" dirty="0"/>
+              <a:t>Provide “Clean” Data</a:t>
+            </a:r>
+          </a:p>
+          <a:p>
+            <a:endParaRPr lang="en-US" dirty="0"/>
+          </a:p>
+          <a:p>
+            <a:r>
+              <a:rPr lang="en-US" dirty="0"/>
+              <a:t>Manage Open Data</a:t>
             </a:r>
           </a:p>
           <a:p>
@@ -4652,7 +4677,7 @@
               <a:rPr lang="en-US" dirty="0">
                 <a:latin typeface="+mn-lt"/>
               </a:rPr>
-              <a:t>Business Model  </a:t>
+              <a:t>Why use/buy it?  </a:t>
             </a:r>
           </a:p>
         </p:txBody>
@@ -4888,7 +4913,14 @@
           <a:p>
             <a:r>
               <a:rPr lang="en-US" dirty="0"/>
-              <a:t>NGO???</a:t>
+              <a:t>Non-Government Organization </a:t>
+            </a:r>
+            <a:br>
+              <a:rPr lang="en-US" dirty="0"/>
+            </a:br>
+            <a:r>
+              <a:rPr lang="en-US" dirty="0"/>
+              <a:t>(Missing and Wanted Persons, Terrorism)</a:t>
             </a:r>
             <a:br>
               <a:rPr lang="en-US" dirty="0"/>
@@ -4898,7 +4930,14 @@
           <a:p>
             <a:r>
               <a:rPr lang="en-US" dirty="0"/>
-              <a:t>Insurance Companies/Automobile Industry</a:t>
+              <a:t>Insurance Companies/Automobile Industry </a:t>
+            </a:r>
+            <a:br>
+              <a:rPr lang="en-US" dirty="0"/>
+            </a:br>
+            <a:r>
+              <a:rPr lang="en-US" dirty="0"/>
+              <a:t>(Stolen Vehicles and License Plates)</a:t>
             </a:r>
             <a:br>
               <a:rPr lang="en-US" dirty="0"/>
@@ -4908,7 +4947,7 @@
           <a:p>
             <a:r>
               <a:rPr lang="en-US" dirty="0"/>
-              <a:t>Cyprus Police Force</a:t>
+              <a:t>Cyprus Police Force (Manage Open Data)</a:t>
             </a:r>
             <a:br>
               <a:rPr lang="en-US" dirty="0"/>
@@ -4918,7 +4957,7 @@
           <a:p>
             <a:r>
               <a:rPr lang="en-US" dirty="0"/>
-              <a:t>Neighborhood Watch</a:t>
+              <a:t>Neighborhood Watch (Live Notifications)</a:t>
             </a:r>
             <a:br>
               <a:rPr lang="en-US" dirty="0"/>
@@ -4928,7 +4967,7 @@
           <a:p>
             <a:r>
               <a:rPr lang="en-US" dirty="0"/>
-              <a:t>Civilians</a:t>
+              <a:t>Civilians (Reward Schema)</a:t>
             </a:r>
           </a:p>
           <a:p>
